--- a/!sergii_artemenko/Files/L01/10 - OOP (part 2) renew.pptx
+++ b/!sergii_artemenko/Files/L01/10 - OOP (part 2) renew.pptx
@@ -205,7 +205,7 @@
           <a:p>
             <a:fld id="{09FB73C3-8686-4320-B12D-BC750AE3E4B9}" type="datetimeFigureOut">
               <a:rPr lang="ru-RU"/>
-              <a:t>21.05.2018</a:t>
+              <a:t>20.09.2018</a:t>
             </a:fld>
             <a:endParaRPr lang="ru-RU"/>
           </a:p>
@@ -601,7 +601,7 @@
           <a:p>
             <a:fld id="{CBB4F01F-C4CA-475E-BAE7-510A903A0223}" type="datetimeFigureOut">
               <a:rPr lang="ru-RU" smtClean="0"/>
-              <a:t>21.05.2018</a:t>
+              <a:t>20.09.2018</a:t>
             </a:fld>
             <a:endParaRPr lang="ru-RU"/>
           </a:p>
@@ -769,7 +769,7 @@
           <a:p>
             <a:fld id="{CBB4F01F-C4CA-475E-BAE7-510A903A0223}" type="datetimeFigureOut">
               <a:rPr lang="ru-RU" smtClean="0"/>
-              <a:t>21.05.2018</a:t>
+              <a:t>20.09.2018</a:t>
             </a:fld>
             <a:endParaRPr lang="ru-RU"/>
           </a:p>
@@ -947,7 +947,7 @@
           <a:p>
             <a:fld id="{CBB4F01F-C4CA-475E-BAE7-510A903A0223}" type="datetimeFigureOut">
               <a:rPr lang="ru-RU" smtClean="0"/>
-              <a:t>21.05.2018</a:t>
+              <a:t>20.09.2018</a:t>
             </a:fld>
             <a:endParaRPr lang="ru-RU"/>
           </a:p>
@@ -1115,7 +1115,7 @@
           <a:p>
             <a:fld id="{CBB4F01F-C4CA-475E-BAE7-510A903A0223}" type="datetimeFigureOut">
               <a:rPr lang="ru-RU" smtClean="0"/>
-              <a:t>21.05.2018</a:t>
+              <a:t>20.09.2018</a:t>
             </a:fld>
             <a:endParaRPr lang="ru-RU"/>
           </a:p>
@@ -1360,7 +1360,7 @@
           <a:p>
             <a:fld id="{CBB4F01F-C4CA-475E-BAE7-510A903A0223}" type="datetimeFigureOut">
               <a:rPr lang="ru-RU" smtClean="0"/>
-              <a:t>21.05.2018</a:t>
+              <a:t>20.09.2018</a:t>
             </a:fld>
             <a:endParaRPr lang="ru-RU"/>
           </a:p>
@@ -1589,7 +1589,7 @@
           <a:p>
             <a:fld id="{CBB4F01F-C4CA-475E-BAE7-510A903A0223}" type="datetimeFigureOut">
               <a:rPr lang="ru-RU" smtClean="0"/>
-              <a:t>21.05.2018</a:t>
+              <a:t>20.09.2018</a:t>
             </a:fld>
             <a:endParaRPr lang="ru-RU"/>
           </a:p>
@@ -1953,7 +1953,7 @@
           <a:p>
             <a:fld id="{CBB4F01F-C4CA-475E-BAE7-510A903A0223}" type="datetimeFigureOut">
               <a:rPr lang="ru-RU" smtClean="0"/>
-              <a:t>21.05.2018</a:t>
+              <a:t>20.09.2018</a:t>
             </a:fld>
             <a:endParaRPr lang="ru-RU"/>
           </a:p>
@@ -2070,7 +2070,7 @@
           <a:p>
             <a:fld id="{CBB4F01F-C4CA-475E-BAE7-510A903A0223}" type="datetimeFigureOut">
               <a:rPr lang="ru-RU" smtClean="0"/>
-              <a:t>21.05.2018</a:t>
+              <a:t>20.09.2018</a:t>
             </a:fld>
             <a:endParaRPr lang="ru-RU"/>
           </a:p>
@@ -2165,7 +2165,7 @@
           <a:p>
             <a:fld id="{CBB4F01F-C4CA-475E-BAE7-510A903A0223}" type="datetimeFigureOut">
               <a:rPr lang="ru-RU" smtClean="0"/>
-              <a:t>21.05.2018</a:t>
+              <a:t>20.09.2018</a:t>
             </a:fld>
             <a:endParaRPr lang="ru-RU"/>
           </a:p>
@@ -2440,7 +2440,7 @@
           <a:p>
             <a:fld id="{CBB4F01F-C4CA-475E-BAE7-510A903A0223}" type="datetimeFigureOut">
               <a:rPr lang="ru-RU" smtClean="0"/>
-              <a:t>21.05.2018</a:t>
+              <a:t>20.09.2018</a:t>
             </a:fld>
             <a:endParaRPr lang="ru-RU"/>
           </a:p>
@@ -2692,7 +2692,7 @@
           <a:p>
             <a:fld id="{CBB4F01F-C4CA-475E-BAE7-510A903A0223}" type="datetimeFigureOut">
               <a:rPr lang="ru-RU" smtClean="0"/>
-              <a:t>21.05.2018</a:t>
+              <a:t>20.09.2018</a:t>
             </a:fld>
             <a:endParaRPr lang="ru-RU"/>
           </a:p>
@@ -2912,7 +2912,7 @@
           <a:p>
             <a:fld id="{CBB4F01F-C4CA-475E-BAE7-510A903A0223}" type="datetimeFigureOut">
               <a:rPr lang="ru-RU" smtClean="0"/>
-              <a:t>21.05.2018</a:t>
+              <a:t>20.09.2018</a:t>
             </a:fld>
             <a:endParaRPr lang="ru-RU"/>
           </a:p>
@@ -3326,7 +3326,7 @@
         <p:spPr>
           <a:xfrm>
             <a:off x="1663849" y="1905506"/>
-            <a:ext cx="9036424" cy="2308324"/>
+            <a:ext cx="9036424" cy="1569660"/>
           </a:xfrm>
           <a:prstGeom prst="rect">
             <a:avLst/>
@@ -3341,7 +3341,7 @@
           <a:p>
             <a:pPr algn="ctr"/>
             <a:r>
-              <a:rPr lang="en-US" sz="4800" b="1" dirty="0">
+              <a:rPr lang="ru-RU" sz="4800" b="1" dirty="0" smtClean="0">
                 <a:solidFill>
                   <a:schemeClr val="accent1">
                     <a:lumMod val="75000"/>
@@ -3350,10 +3350,10 @@
                 <a:latin typeface="Times New Roman" panose="02020603050405020304" pitchFamily="18" charset="0"/>
                 <a:cs typeface="Times New Roman" panose="02020603050405020304" pitchFamily="18" charset="0"/>
               </a:rPr>
-              <a:t>Introduction </a:t>
-            </a:r>
-            <a:r>
-              <a:rPr lang="ru-RU" sz="4800" b="1" dirty="0">
+              <a:t>Методы </a:t>
+            </a:r>
+            <a:r>
+              <a:rPr lang="ru-RU" sz="4800" b="1" dirty="0" smtClean="0">
                 <a:solidFill>
                   <a:schemeClr val="accent1">
                     <a:lumMod val="75000"/>
@@ -3362,43 +3362,7 @@
                 <a:latin typeface="Times New Roman" panose="02020603050405020304" pitchFamily="18" charset="0"/>
                 <a:cs typeface="Times New Roman" panose="02020603050405020304" pitchFamily="18" charset="0"/>
               </a:rPr>
-              <a:t>С</a:t>
-            </a:r>
-            <a:r>
-              <a:rPr lang="ru-RU" sz="4800" b="1" dirty="0" smtClean="0">
-                <a:solidFill>
-                  <a:schemeClr val="accent1">
-                    <a:lumMod val="75000"/>
-                  </a:schemeClr>
-                </a:solidFill>
-                <a:latin typeface="Times New Roman" panose="02020603050405020304" pitchFamily="18" charset="0"/>
-                <a:cs typeface="Times New Roman" panose="02020603050405020304" pitchFamily="18" charset="0"/>
-              </a:rPr>
-              <a:t>#</a:t>
-            </a:r>
-            <a:endParaRPr lang="en-US" sz="4800" b="1" dirty="0" smtClean="0">
-              <a:solidFill>
-                <a:schemeClr val="accent1">
-                  <a:lumMod val="75000"/>
-                </a:schemeClr>
-              </a:solidFill>
-              <a:latin typeface="Times New Roman" panose="02020603050405020304" pitchFamily="18" charset="0"/>
-              <a:cs typeface="Times New Roman" panose="02020603050405020304" pitchFamily="18" charset="0"/>
-            </a:endParaRPr>
-          </a:p>
-          <a:p>
-            <a:pPr algn="ctr"/>
-            <a:r>
-              <a:rPr lang="ru-RU" sz="4800" b="1" dirty="0" smtClean="0">
-                <a:solidFill>
-                  <a:schemeClr val="accent1">
-                    <a:lumMod val="75000"/>
-                  </a:schemeClr>
-                </a:solidFill>
-                <a:latin typeface="Times New Roman" panose="02020603050405020304" pitchFamily="18" charset="0"/>
-                <a:cs typeface="Times New Roman" panose="02020603050405020304" pitchFamily="18" charset="0"/>
-              </a:rPr>
-              <a:t>Методы доступа и свойства.</a:t>
+              <a:t>доступа и свойства.</a:t>
             </a:r>
           </a:p>
           <a:p>
@@ -3586,6 +3550,45 @@
                 <a:cs typeface="Times New Roman" panose="02020603050405020304" pitchFamily="18" charset="0"/>
               </a:rPr>
               <a:t>.</a:t>
+            </a:r>
+            <a:endParaRPr lang="ru-RU" dirty="0">
+              <a:latin typeface="Times New Roman" panose="02020603050405020304" pitchFamily="18" charset="0"/>
+              <a:cs typeface="Times New Roman" panose="02020603050405020304" pitchFamily="18" charset="0"/>
+            </a:endParaRPr>
+          </a:p>
+        </p:txBody>
+      </p:sp>
+      <p:sp>
+        <p:nvSpPr>
+          <p:cNvPr id="7" name="Прямоугольник 5"/>
+          <p:cNvSpPr/>
+          <p:nvPr/>
+        </p:nvSpPr>
+        <p:spPr>
+          <a:xfrm>
+            <a:off x="220842" y="269125"/>
+            <a:ext cx="6096000" cy="369332"/>
+          </a:xfrm>
+          <a:prstGeom prst="rect">
+            <a:avLst/>
+          </a:prstGeom>
+        </p:spPr>
+        <p:txBody>
+          <a:bodyPr>
+            <a:spAutoFit/>
+          </a:bodyPr>
+          <a:lstStyle/>
+          <a:p>
+            <a:r>
+              <a:rPr lang="en-US" b="0" i="0" dirty="0" smtClean="0">
+                <a:solidFill>
+                  <a:srgbClr val="333333"/>
+                </a:solidFill>
+                <a:effectLst/>
+                <a:latin typeface="Times New Roman" panose="02020603050405020304" pitchFamily="18" charset="0"/>
+                <a:cs typeface="Times New Roman" panose="02020603050405020304" pitchFamily="18" charset="0"/>
+              </a:rPr>
+              <a:t>Elementary C#</a:t>
             </a:r>
             <a:endParaRPr lang="ru-RU" dirty="0">
               <a:latin typeface="Times New Roman" panose="02020603050405020304" pitchFamily="18" charset="0"/>
